--- a/meetings/week 15/week15_presentation.pptx
+++ b/meetings/week 15/week15_presentation.pptx
@@ -110,6 +110,11 @@
       </a:defRPr>
     </a:lvl9pPr>
   </p:defaultTextStyle>
+  <p:extLst>
+    <p:ext uri="{EFAFB233-063F-42B5-8137-9DF3F51BA10A}">
+      <p15:sldGuideLst xmlns:p15="http://schemas.microsoft.com/office/powerpoint/2012/main"/>
+    </p:ext>
+  </p:extLst>
 </p:presentation>
 </file>
 
@@ -6164,7 +6169,9 @@
         </p:nvSpPr>
         <p:spPr/>
         <p:txBody>
-          <a:bodyPr/>
+          <a:bodyPr>
+            <a:normAutofit fontScale="92500" lnSpcReduction="20000"/>
+          </a:bodyPr>
           <a:lstStyle/>
           <a:p>
             <a:pPr marL="0" indent="0">
@@ -6214,6 +6221,12 @@
             </a:r>
           </a:p>
           <a:p>
+            <a:r>
+              <a:rPr lang="en-US" dirty="0"/>
+              <a:t>Getting methods from device is supported</a:t>
+            </a:r>
+          </a:p>
+          <a:p>
             <a:pPr marL="0" indent="0">
               <a:buNone/>
             </a:pPr>
@@ -6226,6 +6239,21 @@
             <a:r>
               <a:rPr lang="en-US" dirty="0"/>
               <a:t>Core package now utilizes transpiler package.</a:t>
+            </a:r>
+          </a:p>
+          <a:p>
+            <a:pPr marL="0" indent="0">
+              <a:buNone/>
+            </a:pPr>
+            <a:r>
+              <a:rPr lang="en-US" b="1" dirty="0"/>
+              <a:t>Documentation</a:t>
+            </a:r>
+          </a:p>
+          <a:p>
+            <a:r>
+              <a:rPr lang="en-US" dirty="0"/>
+              <a:t>Added docs for transpiler and online IDE.</a:t>
             </a:r>
           </a:p>
         </p:txBody>
@@ -6311,7 +6339,7 @@
           <a:p>
             <a:r>
               <a:rPr lang="en-US" dirty="0"/>
-              <a:t>Nothing notable this week.</a:t>
+              <a:t>How to properly display code output in the terminal.</a:t>
             </a:r>
           </a:p>
         </p:txBody>
@@ -6395,7 +6423,25 @@
           <a:bodyPr/>
           <a:lstStyle/>
           <a:p>
-            <a:endParaRPr lang="en-US"/>
+            <a:r>
+              <a:rPr lang="en-US" dirty="0"/>
+              <a:t>Changing the code editor to Monaco editor</a:t>
+            </a:r>
+          </a:p>
+          <a:p>
+            <a:pPr lvl="1"/>
+            <a:r>
+              <a:rPr lang="en-US" dirty="0"/>
+              <a:t>Monaco editor is based on the </a:t>
+            </a:r>
+            <a:r>
+              <a:rPr lang="en-US" dirty="0" err="1"/>
+              <a:t>vscode</a:t>
+            </a:r>
+            <a:r>
+              <a:rPr lang="en-US" dirty="0"/>
+              <a:t> editor and includes syntax highlighting and autocomplete</a:t>
+            </a:r>
           </a:p>
         </p:txBody>
       </p:sp>
@@ -6476,7 +6522,7 @@
         <p:spPr/>
         <p:txBody>
           <a:bodyPr>
-            <a:normAutofit fontScale="92500" lnSpcReduction="10000"/>
+            <a:normAutofit/>
           </a:bodyPr>
           <a:lstStyle/>
           <a:p>
@@ -6494,7 +6540,7 @@
             </a:pPr>
             <a:r>
               <a:rPr lang="en-US" dirty="0"/>
-              <a:t>For the online IDE its mainly polishing left, fixing terminal output and cleaning up the design. Adding options for getting device functions and device details.</a:t>
+              <a:t>For the online IDE its mainly polishing left.</a:t>
             </a:r>
           </a:p>
           <a:p>
@@ -6538,7 +6584,15 @@
             </a:pPr>
             <a:r>
               <a:rPr lang="en-US" dirty="0"/>
-              <a:t>Build as many as possible, once online IDE is done aim for 2+ a week</a:t>
+              <a:t>Build as many as possible, </a:t>
+            </a:r>
+            <a:r>
+              <a:rPr lang="en-US"/>
+              <a:t>once UART </a:t>
+            </a:r>
+            <a:r>
+              <a:rPr lang="en-US" dirty="0"/>
+              <a:t>is done aim for 2+ a week</a:t>
             </a:r>
           </a:p>
           <a:p>
